--- a/Workshop_Slides/Arduino/Electronics Workshop (13).pptx
+++ b/Workshop_Slides/Arduino/Electronics Workshop (13).pptx
@@ -317,7 +317,7 @@
           <a:p>
             <a:fld id="{779E5FCA-DD43-49EF-B29F-A50837916FDF}" type="datetimeFigureOut">
               <a:rPr lang="en-US" smtClean="0"/>
-              <a:t>8/13/2017</a:t>
+              <a:t>8/18/2017</a:t>
             </a:fld>
             <a:endParaRPr lang="en-US"/>
           </a:p>
@@ -511,7 +511,7 @@
           <a:p>
             <a:fld id="{779E5FCA-DD43-49EF-B29F-A50837916FDF}" type="datetimeFigureOut">
               <a:rPr lang="en-US" smtClean="0"/>
-              <a:t>8/13/2017</a:t>
+              <a:t>8/18/2017</a:t>
             </a:fld>
             <a:endParaRPr lang="en-US"/>
           </a:p>
@@ -699,7 +699,7 @@
           <a:p>
             <a:fld id="{779E5FCA-DD43-49EF-B29F-A50837916FDF}" type="datetimeFigureOut">
               <a:rPr lang="en-US" smtClean="0"/>
-              <a:t>8/13/2017</a:t>
+              <a:t>8/18/2017</a:t>
             </a:fld>
             <a:endParaRPr lang="en-US"/>
           </a:p>
@@ -928,7 +928,7 @@
           <a:p>
             <a:fld id="{779E5FCA-DD43-49EF-B29F-A50837916FDF}" type="datetimeFigureOut">
               <a:rPr lang="en-US" smtClean="0"/>
-              <a:t>8/13/2017</a:t>
+              <a:t>8/18/2017</a:t>
             </a:fld>
             <a:endParaRPr lang="en-US"/>
           </a:p>
@@ -1209,7 +1209,7 @@
           <a:p>
             <a:fld id="{779E5FCA-DD43-49EF-B29F-A50837916FDF}" type="datetimeFigureOut">
               <a:rPr lang="en-US" smtClean="0"/>
-              <a:t>8/13/2017</a:t>
+              <a:t>8/18/2017</a:t>
             </a:fld>
             <a:endParaRPr lang="en-US"/>
           </a:p>
@@ -1497,7 +1497,7 @@
           <a:p>
             <a:fld id="{779E5FCA-DD43-49EF-B29F-A50837916FDF}" type="datetimeFigureOut">
               <a:rPr lang="en-US" smtClean="0"/>
-              <a:t>8/13/2017</a:t>
+              <a:t>8/18/2017</a:t>
             </a:fld>
             <a:endParaRPr lang="en-US"/>
           </a:p>
@@ -2051,7 +2051,7 @@
           <a:p>
             <a:fld id="{779E5FCA-DD43-49EF-B29F-A50837916FDF}" type="datetimeFigureOut">
               <a:rPr lang="en-US" smtClean="0"/>
-              <a:t>8/13/2017</a:t>
+              <a:t>8/18/2017</a:t>
             </a:fld>
             <a:endParaRPr lang="en-US"/>
           </a:p>
@@ -2182,7 +2182,7 @@
           <a:p>
             <a:fld id="{779E5FCA-DD43-49EF-B29F-A50837916FDF}" type="datetimeFigureOut">
               <a:rPr lang="en-US" smtClean="0"/>
-              <a:t>8/13/2017</a:t>
+              <a:t>8/18/2017</a:t>
             </a:fld>
             <a:endParaRPr lang="en-US"/>
           </a:p>
@@ -2332,7 +2332,7 @@
           <a:p>
             <a:fld id="{779E5FCA-DD43-49EF-B29F-A50837916FDF}" type="datetimeFigureOut">
               <a:rPr lang="en-US" smtClean="0"/>
-              <a:t>8/13/2017</a:t>
+              <a:t>8/18/2017</a:t>
             </a:fld>
             <a:endParaRPr lang="en-US"/>
           </a:p>
@@ -2653,7 +2653,7 @@
           <a:p>
             <a:fld id="{779E5FCA-DD43-49EF-B29F-A50837916FDF}" type="datetimeFigureOut">
               <a:rPr lang="en-US" smtClean="0"/>
-              <a:t>8/13/2017</a:t>
+              <a:t>8/18/2017</a:t>
             </a:fld>
             <a:endParaRPr lang="en-US"/>
           </a:p>
@@ -2950,7 +2950,7 @@
           <a:p>
             <a:fld id="{779E5FCA-DD43-49EF-B29F-A50837916FDF}" type="datetimeFigureOut">
               <a:rPr lang="en-US" smtClean="0"/>
-              <a:t>8/13/2017</a:t>
+              <a:t>8/18/2017</a:t>
             </a:fld>
             <a:endParaRPr lang="en-US"/>
           </a:p>
@@ -3195,7 +3195,7 @@
           <a:p>
             <a:fld id="{779E5FCA-DD43-49EF-B29F-A50837916FDF}" type="datetimeFigureOut">
               <a:rPr lang="en-US" smtClean="0"/>
-              <a:t>8/13/2017</a:t>
+              <a:t>8/18/2017</a:t>
             </a:fld>
             <a:endParaRPr lang="en-US"/>
           </a:p>
@@ -3700,11 +3700,7 @@
           <a:p>
             <a:r>
               <a:rPr lang="en-US" smtClean="0"/>
-              <a:t>Electronics </a:t>
-            </a:r>
-            <a:r>
-              <a:rPr lang="en-US" smtClean="0"/>
-              <a:t>Workshop</a:t>
+              <a:t>Electronics Workshop</a:t>
             </a:r>
             <a:endParaRPr lang="en-US" dirty="0"/>
           </a:p>
@@ -3823,15 +3819,17 @@
           <a:p>
             <a:r>
               <a:rPr lang="en-US" dirty="0" smtClean="0"/>
-              <a:t>Works_020_a</a:t>
-            </a:r>
+              <a:t>Works_020_a~_d</a:t>
+            </a:r>
+            <a:endParaRPr lang="en-US" dirty="0" smtClean="0"/>
           </a:p>
           <a:p>
             <a:pPr lvl="1"/>
             <a:r>
-              <a:rPr lang="en-US" dirty="0" smtClean="0"/>
-              <a:t>EEPROM</a:t>
-            </a:r>
+              <a:rPr lang="en-US" smtClean="0"/>
+              <a:t>Memory Management</a:t>
+            </a:r>
+            <a:endParaRPr lang="en-US" dirty="0" smtClean="0"/>
           </a:p>
           <a:p>
             <a:r>
@@ -3843,22 +3841,13 @@
             <a:pPr lvl="1"/>
             <a:r>
               <a:rPr lang="en-US" dirty="0" smtClean="0"/>
-              <a:t>Saving memory through F() macro</a:t>
-            </a:r>
-          </a:p>
-          <a:p>
+              <a:t>Saving memory through F() </a:t>
+            </a:r>
             <a:r>
               <a:rPr lang="en-US" dirty="0" smtClean="0"/>
-              <a:t>Works_020_b</a:t>
-            </a:r>
-          </a:p>
-          <a:p>
-            <a:pPr lvl="1"/>
-            <a:r>
-              <a:rPr lang="en-US" dirty="0" smtClean="0"/>
-              <a:t>Heap and dynamic allocation</a:t>
-            </a:r>
-            <a:endParaRPr lang="en-US" dirty="0"/>
+              <a:t>macro</a:t>
+            </a:r>
+            <a:endParaRPr lang="en-US" dirty="0" smtClean="0"/>
           </a:p>
         </p:txBody>
       </p:sp>
@@ -4154,6 +4143,13 @@
   <p:clrMapOvr>
     <a:masterClrMapping/>
   </p:clrMapOvr>
+  <p:timing>
+    <p:tnLst>
+      <p:par>
+        <p:cTn id="1" dur="indefinite" restart="never" nodeType="tmRoot"/>
+      </p:par>
+    </p:tnLst>
+  </p:timing>
 </p:sld>
 </file>
 
@@ -4540,6 +4536,13 @@
   <p:clrMapOvr>
     <a:masterClrMapping/>
   </p:clrMapOvr>
+  <p:timing>
+    <p:tnLst>
+      <p:par>
+        <p:cTn id="1" dur="indefinite" restart="never" nodeType="tmRoot"/>
+      </p:par>
+    </p:tnLst>
+  </p:timing>
 </p:sld>
 </file>
 
